--- a/08-Methods.pptx
+++ b/08-Methods.pptx
@@ -5797,99 +5797,79 @@
                   </a:schemeClr>
                 </a:solidFill>
               </a:rPr>
+              <a:t> метод</a:t>
+            </a:r>
+            <a:r>
+              <a:rPr lang="en-US" sz="2400" dirty="0" smtClean="0">
+                <a:solidFill>
+                  <a:schemeClr val="bg1">
+                    <a:lumMod val="95000"/>
+                  </a:schemeClr>
+                </a:solidFill>
+              </a:rPr>
+              <a:t>, </a:t>
+            </a:r>
+            <a:r>
+              <a:rPr lang="ru-RU" sz="2400" dirty="0" err="1" smtClean="0">
+                <a:solidFill>
+                  <a:schemeClr val="bg1">
+                    <a:lumMod val="95000"/>
+                  </a:schemeClr>
+                </a:solidFill>
+              </a:rPr>
+              <a:t>който</a:t>
+            </a:r>
+            <a:r>
+              <a:rPr lang="ru-RU" sz="2400" dirty="0" smtClean="0">
+                <a:solidFill>
+                  <a:schemeClr val="bg1">
+                    <a:lumMod val="95000"/>
+                  </a:schemeClr>
+                </a:solidFill>
+              </a:rPr>
+              <a:t> приема 3 параметъра - цели числа и ги умножава едно с друго. Извикайте функцията </a:t>
+            </a:r>
+            <a:r>
+              <a:rPr lang="en-US" sz="2400" dirty="0" smtClean="0">
+                <a:solidFill>
+                  <a:schemeClr val="bg1">
+                    <a:lumMod val="95000"/>
+                  </a:schemeClr>
+                </a:solidFill>
+              </a:rPr>
+              <a:t>1</a:t>
+            </a:r>
+            <a:r>
+              <a:rPr lang="ru-RU" sz="2400" dirty="0" smtClean="0">
+                <a:solidFill>
+                  <a:schemeClr val="bg1">
+                    <a:lumMod val="95000"/>
+                  </a:schemeClr>
+                </a:solidFill>
+              </a:rPr>
+              <a:t>0 </a:t>
+            </a:r>
+            <a:r>
+              <a:rPr lang="ru-RU" sz="2400" dirty="0" err="1" smtClean="0">
+                <a:solidFill>
+                  <a:schemeClr val="bg1">
+                    <a:lumMod val="95000"/>
+                  </a:schemeClr>
+                </a:solidFill>
+              </a:rPr>
+              <a:t>пъти</a:t>
+            </a:r>
+            <a:r>
+              <a:rPr lang="ru-RU" sz="2400" dirty="0" smtClean="0">
+                <a:solidFill>
+                  <a:schemeClr val="bg1">
+                    <a:lumMod val="95000"/>
+                  </a:schemeClr>
+                </a:solidFill>
+              </a:rPr>
               <a:t> </a:t>
             </a:r>
             <a:r>
-              <a:rPr lang="ru-RU" sz="2400" dirty="0" smtClean="0">
-                <a:solidFill>
-                  <a:schemeClr val="bg1">
-                    <a:lumMod val="95000"/>
-                  </a:schemeClr>
-                </a:solidFill>
-              </a:rPr>
-              <a:t>метод</a:t>
-            </a:r>
-            <a:r>
-              <a:rPr lang="en-US" sz="2400" dirty="0" smtClean="0">
-                <a:solidFill>
-                  <a:schemeClr val="bg1">
-                    <a:lumMod val="95000"/>
-                  </a:schemeClr>
-                </a:solidFill>
-              </a:rPr>
-              <a:t>, </a:t>
-            </a:r>
-            <a:r>
-              <a:rPr lang="ru-RU" sz="2400" dirty="0" err="1" smtClean="0">
-                <a:solidFill>
-                  <a:schemeClr val="bg1">
-                    <a:lumMod val="95000"/>
-                  </a:schemeClr>
-                </a:solidFill>
-              </a:rPr>
-              <a:t>който</a:t>
-            </a:r>
-            <a:r>
-              <a:rPr lang="ru-RU" sz="2400" dirty="0" smtClean="0">
-                <a:solidFill>
-                  <a:schemeClr val="bg1">
-                    <a:lumMod val="95000"/>
-                  </a:schemeClr>
-                </a:solidFill>
-              </a:rPr>
-              <a:t> приема </a:t>
-            </a:r>
-            <a:r>
-              <a:rPr lang="ru-RU" sz="2400" dirty="0" smtClean="0">
-                <a:solidFill>
-                  <a:schemeClr val="bg1">
-                    <a:lumMod val="95000"/>
-                  </a:schemeClr>
-                </a:solidFill>
-              </a:rPr>
-              <a:t>3 параметъра - цели числа и ги умножава едно с друго. Извикайте функцията </a:t>
-            </a:r>
-            <a:r>
-              <a:rPr lang="en-US" sz="2400" dirty="0" smtClean="0">
-                <a:solidFill>
-                  <a:schemeClr val="bg1">
-                    <a:lumMod val="95000"/>
-                  </a:schemeClr>
-                </a:solidFill>
-              </a:rPr>
-              <a:t>1</a:t>
-            </a:r>
-            <a:r>
-              <a:rPr lang="ru-RU" sz="2400" dirty="0" smtClean="0">
-                <a:solidFill>
-                  <a:schemeClr val="bg1">
-                    <a:lumMod val="95000"/>
-                  </a:schemeClr>
-                </a:solidFill>
-              </a:rPr>
-              <a:t>0 </a:t>
-            </a:r>
-            <a:r>
-              <a:rPr lang="ru-RU" sz="2400" dirty="0" err="1" smtClean="0">
-                <a:solidFill>
-                  <a:schemeClr val="bg1">
-                    <a:lumMod val="95000"/>
-                  </a:schemeClr>
-                </a:solidFill>
-              </a:rPr>
-              <a:t>пъти</a:t>
-            </a:r>
-            <a:r>
-              <a:rPr lang="ru-RU" sz="2400" dirty="0" smtClean="0">
-                <a:solidFill>
-                  <a:schemeClr val="bg1">
-                    <a:lumMod val="95000"/>
-                  </a:schemeClr>
-                </a:solidFill>
-              </a:rPr>
-              <a:t> </a:t>
-            </a:r>
-            <a:r>
               <a:rPr lang="bg-BG" sz="2400" dirty="0" smtClean="0">
                 <a:solidFill>
                   <a:schemeClr val="bg1">
@@ -5897,17 +5877,7 @@
                   </a:schemeClr>
                 </a:solidFill>
               </a:rPr>
-              <a:t>с различни произволни числа</a:t>
-            </a:r>
-            <a:r>
-              <a:rPr lang="bg-BG" sz="2400" dirty="0" smtClean="0">
-                <a:solidFill>
-                  <a:schemeClr val="bg1">
-                    <a:lumMod val="95000"/>
-                  </a:schemeClr>
-                </a:solidFill>
-              </a:rPr>
-              <a:t>.</a:t>
+              <a:t>с различни произволни числа.</a:t>
             </a:r>
           </a:p>
           <a:p>
@@ -7136,15 +7106,7 @@
                   <a:schemeClr val="accent6"/>
                 </a:solidFill>
               </a:rPr>
-              <a:t>public void </a:t>
-            </a:r>
-            <a:r>
-              <a:rPr lang="en-US" sz="2000" dirty="0" smtClean="0">
-                <a:solidFill>
-                  <a:schemeClr val="accent6"/>
-                </a:solidFill>
-              </a:rPr>
-              <a:t>print(String</a:t>
+              <a:t>public void print(String</a:t>
             </a:r>
             <a:r>
               <a:rPr lang="en-US" sz="2000" dirty="0">
@@ -7514,15 +7476,7 @@
                   <a:schemeClr val="accent6"/>
                 </a:solidFill>
               </a:rPr>
-              <a:t>Camel</a:t>
-            </a:r>
-            <a:r>
-              <a:rPr lang="en-US" sz="2600" b="1" dirty="0" err="1" smtClean="0">
-                <a:solidFill>
-                  <a:schemeClr val="accent6"/>
-                </a:solidFill>
-              </a:rPr>
-              <a:t>Case</a:t>
+              <a:t>camelCase</a:t>
             </a:r>
             <a:r>
               <a:rPr lang="ru-RU" sz="2600" b="1" dirty="0" smtClean="0">
